--- a/doc/Presentation/HDC Accelerator.pptx
+++ b/doc/Presentation/HDC Accelerator.pptx
@@ -10,15 +10,15 @@
   </p:notesMasterIdLst>
   <p:sldIdLst>
     <p:sldId id="256" r:id="rId3"/>
-    <p:sldId id="281" r:id="rId4"/>
-    <p:sldId id="282" r:id="rId5"/>
-    <p:sldId id="283" r:id="rId6"/>
-    <p:sldId id="284" r:id="rId7"/>
-    <p:sldId id="285" r:id="rId8"/>
-    <p:sldId id="286" r:id="rId9"/>
-    <p:sldId id="287" r:id="rId10"/>
-    <p:sldId id="288" r:id="rId11"/>
-    <p:sldId id="280" r:id="rId12"/>
+    <p:sldId id="280" r:id="rId4"/>
+    <p:sldId id="281" r:id="rId5"/>
+    <p:sldId id="282" r:id="rId6"/>
+    <p:sldId id="283" r:id="rId7"/>
+    <p:sldId id="284" r:id="rId8"/>
+    <p:sldId id="285" r:id="rId9"/>
+    <p:sldId id="286" r:id="rId10"/>
+    <p:sldId id="287" r:id="rId11"/>
+    <p:sldId id="288" r:id="rId12"/>
     <p:sldId id="277" r:id="rId13"/>
     <p:sldId id="278" r:id="rId14"/>
   </p:sldIdLst>
@@ -751,7 +751,7 @@
               <a:rPr lang="en-CA" sz="1400" b="0" strike="noStrike" spc="-1" smtClean="0">
                 <a:latin typeface="Times New Roman"/>
               </a:rPr>
-              <a:t>4</a:t>
+              <a:t>5</a:t>
             </a:fld>
             <a:endParaRPr lang="en-CA" sz="1400" b="0" strike="noStrike" spc="-1">
               <a:latin typeface="Times New Roman"/>
@@ -6924,7 +6924,7 @@
           <p:cNvPr id="2" name="Title 1">
             <a:extLst>
               <a:ext uri="{FF2B5EF4-FFF2-40B4-BE49-F238E27FC236}">
-                <a16:creationId xmlns:a16="http://schemas.microsoft.com/office/drawing/2014/main" id="{9E96E390-86FF-D2AC-9AD7-D1CFFFCB3F1F}"/>
+                <a16:creationId xmlns:a16="http://schemas.microsoft.com/office/drawing/2014/main" xmlns="" id="{9CB79DB5-A43C-09E4-E1D8-6E22A148CAA1}"/>
               </a:ext>
             </a:extLst>
           </p:cNvPr>
@@ -6942,7 +6942,7 @@
           <a:p>
             <a:r>
               <a:rPr lang="en-CA" dirty="0"/>
-              <a:t>What Is Hyperdimensional Computing?</a:t>
+              <a:t>TODO</a:t>
             </a:r>
           </a:p>
         </p:txBody>
@@ -6952,7 +6952,7 @@
           <p:cNvPr id="3" name="Subtitle 2">
             <a:extLst>
               <a:ext uri="{FF2B5EF4-FFF2-40B4-BE49-F238E27FC236}">
-                <a16:creationId xmlns:a16="http://schemas.microsoft.com/office/drawing/2014/main" id="{645FE529-91E4-ED7A-7DBA-060C56FF0E09}"/>
+                <a16:creationId xmlns:a16="http://schemas.microsoft.com/office/drawing/2014/main" xmlns="" id="{92C04443-8986-A537-8A37-218C5D5DD53A}"/>
               </a:ext>
             </a:extLst>
           </p:cNvPr>
@@ -6963,19 +6963,66 @@
             <p:ph type="subTitle"/>
           </p:nvPr>
         </p:nvSpPr>
-        <p:spPr/>
-        <p:txBody>
-          <a:bodyPr/>
-          <a:lstStyle/>
-          <a:p>
-            <a:endParaRPr lang="en-CA"/>
+        <p:spPr>
+          <a:xfrm>
+            <a:off x="838080" y="1825560"/>
+            <a:ext cx="10515240" cy="4350960"/>
+          </a:xfrm>
+        </p:spPr>
+        <p:txBody>
+          <a:bodyPr anchor="t"/>
+          <a:lstStyle/>
+          <a:p>
+            <a:r>
+              <a:rPr lang="en-CA" dirty="0"/>
+              <a:t>Allocation of ports will also be done using a scoreboard-like process. </a:t>
+            </a:r>
+          </a:p>
+          <a:p>
+            <a:r>
+              <a:rPr lang="en-CA" dirty="0"/>
+              <a:t>Instructions will “lock” a port in the port-table after which it is guaranteed to have uncontested access to the ports for its full execution time</a:t>
+            </a:r>
+          </a:p>
+          <a:p>
+            <a:r>
+              <a:rPr lang="en-CA" dirty="0"/>
+              <a:t>Once complete, the port allocation table and scoreboard will be cleared</a:t>
+            </a:r>
+          </a:p>
+          <a:p>
+            <a:r>
+              <a:rPr lang="en-CA" dirty="0"/>
+              <a:t>We will also have a result validity table to keep track of which </a:t>
+            </a:r>
+            <a:r>
+              <a:rPr lang="en-CA" dirty="0" err="1"/>
+              <a:t>hypervectors</a:t>
+            </a:r>
+            <a:r>
+              <a:rPr lang="en-CA" dirty="0"/>
+              <a:t> are *not* produced by any in-queue instruction, meaning the </a:t>
+            </a:r>
+            <a:r>
+              <a:rPr lang="en-CA" dirty="0" err="1"/>
+              <a:t>hypervector</a:t>
+            </a:r>
+            <a:r>
+              <a:rPr lang="en-CA" dirty="0"/>
+              <a:t> result </a:t>
+            </a:r>
+            <a:r>
+              <a:rPr lang="en-CA"/>
+              <a:t>is valid and ready to read</a:t>
+            </a:r>
+            <a:endParaRPr lang="en-CA" dirty="0"/>
           </a:p>
         </p:txBody>
       </p:sp>
     </p:spTree>
     <p:extLst>
       <p:ext uri="{BB962C8B-B14F-4D97-AF65-F5344CB8AC3E}">
-        <p14:creationId xmlns:p14="http://schemas.microsoft.com/office/powerpoint/2010/main" val="3378691390"/>
+        <p14:creationId xmlns:p14="http://schemas.microsoft.com/office/powerpoint/2010/main" val="8169859"/>
       </p:ext>
     </p:extLst>
   </p:cSld>
@@ -7059,7 +7106,7 @@
           <p:cNvPr id="2" name="Title 1">
             <a:extLst>
               <a:ext uri="{FF2B5EF4-FFF2-40B4-BE49-F238E27FC236}">
-                <a16:creationId xmlns:a16="http://schemas.microsoft.com/office/drawing/2014/main" id="{AA70A9DF-E6BF-B40A-D3D8-58F629875D42}"/>
+                <a16:creationId xmlns:a16="http://schemas.microsoft.com/office/drawing/2014/main" xmlns="" id="{AA70A9DF-E6BF-B40A-D3D8-58F629875D42}"/>
               </a:ext>
             </a:extLst>
           </p:cNvPr>
@@ -7087,7 +7134,7 @@
           <p:cNvPr id="3" name="Content Placeholder 2">
             <a:extLst>
               <a:ext uri="{FF2B5EF4-FFF2-40B4-BE49-F238E27FC236}">
-                <a16:creationId xmlns:a16="http://schemas.microsoft.com/office/drawing/2014/main" id="{93B42F98-A006-942D-7A7E-463C9780A378}"/>
+                <a16:creationId xmlns:a16="http://schemas.microsoft.com/office/drawing/2014/main" xmlns="" id="{93B42F98-A006-942D-7A7E-463C9780A378}"/>
               </a:ext>
             </a:extLst>
           </p:cNvPr>
@@ -7142,7 +7189,7 @@
           <p:cNvPr id="2" name="Title 1">
             <a:extLst>
               <a:ext uri="{FF2B5EF4-FFF2-40B4-BE49-F238E27FC236}">
-                <a16:creationId xmlns:a16="http://schemas.microsoft.com/office/drawing/2014/main" id="{8928DC04-28B9-AAA7-C637-3B8F6B843FE7}"/>
+                <a16:creationId xmlns:a16="http://schemas.microsoft.com/office/drawing/2014/main" xmlns="" id="{9E96E390-86FF-D2AC-9AD7-D1CFFFCB3F1F}"/>
               </a:ext>
             </a:extLst>
           </p:cNvPr>
@@ -7160,7 +7207,7 @@
           <a:p>
             <a:r>
               <a:rPr lang="en-CA" dirty="0"/>
-              <a:t>TODO</a:t>
+              <a:t>What Is Hyperdimensional Computing?</a:t>
             </a:r>
           </a:p>
         </p:txBody>
@@ -7170,7 +7217,7 @@
           <p:cNvPr id="3" name="Subtitle 2">
             <a:extLst>
               <a:ext uri="{FF2B5EF4-FFF2-40B4-BE49-F238E27FC236}">
-                <a16:creationId xmlns:a16="http://schemas.microsoft.com/office/drawing/2014/main" id="{077426D2-27D2-397D-984D-A318B82BF7BA}"/>
+                <a16:creationId xmlns:a16="http://schemas.microsoft.com/office/drawing/2014/main" xmlns="" id="{645FE529-91E4-ED7A-7DBA-060C56FF0E09}"/>
               </a:ext>
             </a:extLst>
           </p:cNvPr>
@@ -7181,122 +7228,19 @@
             <p:ph type="subTitle"/>
           </p:nvPr>
         </p:nvSpPr>
-        <p:spPr>
-          <a:xfrm>
-            <a:off x="838079" y="1825560"/>
-            <a:ext cx="10515240" cy="4350960"/>
-          </a:xfrm>
-        </p:spPr>
-        <p:txBody>
-          <a:bodyPr anchor="t"/>
-          <a:lstStyle/>
-          <a:p>
-            <a:r>
-              <a:rPr lang="en-CA" dirty="0"/>
-              <a:t>What Is HDC?</a:t>
-            </a:r>
-          </a:p>
-          <a:p>
-            <a:pPr lvl="1"/>
-            <a:r>
-              <a:rPr lang="en-CA" dirty="0"/>
-              <a:t>Also known as Vector Symbolic Architectures</a:t>
-            </a:r>
-          </a:p>
-          <a:p>
-            <a:pPr lvl="1"/>
-            <a:r>
-              <a:rPr lang="en-CA" dirty="0"/>
-              <a:t>A type of computation using operations on very large vectors</a:t>
-            </a:r>
-          </a:p>
-          <a:p>
-            <a:pPr lvl="1"/>
-            <a:r>
-              <a:rPr lang="en-CA" dirty="0"/>
-              <a:t>1k to 10k+ elements</a:t>
-            </a:r>
-          </a:p>
-          <a:p>
-            <a:pPr lvl="1"/>
-            <a:r>
-              <a:rPr lang="en-CA" dirty="0"/>
-              <a:t>Used in applications like</a:t>
-            </a:r>
-          </a:p>
-          <a:p>
-            <a:pPr lvl="2"/>
-            <a:r>
-              <a:rPr lang="en-CA" dirty="0"/>
-              <a:t>Medical diagnosis</a:t>
-            </a:r>
-          </a:p>
-          <a:p>
-            <a:pPr lvl="2"/>
-            <a:r>
-              <a:rPr lang="en-CA" dirty="0"/>
-              <a:t>Robot localization</a:t>
-            </a:r>
-          </a:p>
-          <a:p>
-            <a:pPr lvl="2"/>
-            <a:r>
-              <a:rPr lang="en-CA" dirty="0"/>
-              <a:t>Text classification</a:t>
-            </a:r>
-          </a:p>
-          <a:p>
-            <a:pPr lvl="2"/>
-            <a:r>
-              <a:rPr lang="en-CA" dirty="0"/>
-              <a:t>Image classification</a:t>
-            </a:r>
-          </a:p>
-          <a:p>
-            <a:pPr lvl="2"/>
-            <a:r>
-              <a:rPr lang="en-CA" dirty="0"/>
-              <a:t>Inference</a:t>
-            </a:r>
-          </a:p>
-          <a:p>
-            <a:pPr lvl="1"/>
-            <a:r>
-              <a:rPr lang="en-CA" dirty="0"/>
-              <a:t>Elements can be from many different spaces</a:t>
-            </a:r>
-          </a:p>
-          <a:p>
-            <a:pPr lvl="2"/>
-            <a:r>
-              <a:rPr lang="en-CA" dirty="0"/>
-              <a:t>Real</a:t>
-            </a:r>
-          </a:p>
-          <a:p>
-            <a:pPr lvl="2"/>
-            <a:r>
-              <a:rPr lang="en-CA" dirty="0"/>
-              <a:t>Binary</a:t>
-            </a:r>
-          </a:p>
-          <a:p>
-            <a:pPr lvl="2"/>
-            <a:r>
-              <a:rPr lang="en-CA" dirty="0"/>
-              <a:t>Imaginary</a:t>
-            </a:r>
-          </a:p>
-          <a:p>
-            <a:pPr lvl="1"/>
-            <a:endParaRPr lang="en-CA" dirty="0"/>
+        <p:spPr/>
+        <p:txBody>
+          <a:bodyPr/>
+          <a:lstStyle/>
+          <a:p>
+            <a:endParaRPr lang="en-CA"/>
           </a:p>
         </p:txBody>
       </p:sp>
     </p:spTree>
     <p:extLst>
       <p:ext uri="{BB962C8B-B14F-4D97-AF65-F5344CB8AC3E}">
-        <p14:creationId xmlns:p14="http://schemas.microsoft.com/office/powerpoint/2010/main" val="1261019345"/>
+        <p14:creationId xmlns:p14="http://schemas.microsoft.com/office/powerpoint/2010/main" val="3378691390"/>
       </p:ext>
     </p:extLst>
   </p:cSld>
@@ -7328,7 +7272,7 @@
           <p:cNvPr id="2" name="Title 1">
             <a:extLst>
               <a:ext uri="{FF2B5EF4-FFF2-40B4-BE49-F238E27FC236}">
-                <a16:creationId xmlns:a16="http://schemas.microsoft.com/office/drawing/2014/main" id="{8D538EE2-B801-635C-A032-217AB9F1945D}"/>
+                <a16:creationId xmlns:a16="http://schemas.microsoft.com/office/drawing/2014/main" xmlns="" id="{8928DC04-28B9-AAA7-C637-3B8F6B843FE7}"/>
               </a:ext>
             </a:extLst>
           </p:cNvPr>
@@ -7356,7 +7300,7 @@
           <p:cNvPr id="3" name="Subtitle 2">
             <a:extLst>
               <a:ext uri="{FF2B5EF4-FFF2-40B4-BE49-F238E27FC236}">
-                <a16:creationId xmlns:a16="http://schemas.microsoft.com/office/drawing/2014/main" id="{5AFE1E51-5998-82AF-D7C2-AC198B8EF6D6}"/>
+                <a16:creationId xmlns:a16="http://schemas.microsoft.com/office/drawing/2014/main" xmlns="" id="{077426D2-27D2-397D-984D-A318B82BF7BA}"/>
               </a:ext>
             </a:extLst>
           </p:cNvPr>
@@ -7369,7 +7313,7 @@
         </p:nvSpPr>
         <p:spPr>
           <a:xfrm>
-            <a:off x="838080" y="1825560"/>
+            <a:off x="838079" y="1825560"/>
             <a:ext cx="10515240" cy="4350960"/>
           </a:xfrm>
         </p:spPr>
@@ -7379,64 +7323,110 @@
           <a:p>
             <a:r>
               <a:rPr lang="en-CA" dirty="0"/>
-              <a:t>Why use HDC?</a:t>
+              <a:t>What Is HDC?</a:t>
             </a:r>
           </a:p>
           <a:p>
             <a:pPr lvl="1"/>
             <a:r>
               <a:rPr lang="en-CA" dirty="0"/>
-              <a:t>Suppose we have some number represented in binary</a:t>
+              <a:t>Also known as Vector Symbolic Architectures</a:t>
             </a:r>
           </a:p>
           <a:p>
             <a:pPr lvl="1"/>
             <a:r>
               <a:rPr lang="en-CA" dirty="0"/>
-              <a:t>What if there is a single bit error?</a:t>
+              <a:t>A type of computation using operations on very large vectors</a:t>
             </a:r>
           </a:p>
           <a:p>
             <a:pPr lvl="1"/>
             <a:r>
               <a:rPr lang="en-CA" dirty="0"/>
-              <a:t>If its in the LSB’s then there is not much of an issue</a:t>
+              <a:t>1k to 10k+ elements</a:t>
             </a:r>
           </a:p>
           <a:p>
             <a:pPr lvl="1"/>
             <a:r>
               <a:rPr lang="en-CA" dirty="0"/>
-              <a:t>If it in the MSB’s the entire result can be incorrect</a:t>
+              <a:t>Used in applications like</a:t>
+            </a:r>
+          </a:p>
+          <a:p>
+            <a:pPr lvl="2"/>
+            <a:r>
+              <a:rPr lang="en-CA" dirty="0"/>
+              <a:t>Medical diagnosis</a:t>
+            </a:r>
+          </a:p>
+          <a:p>
+            <a:pPr lvl="2"/>
+            <a:r>
+              <a:rPr lang="en-CA" dirty="0"/>
+              <a:t>Robot localization</a:t>
+            </a:r>
+          </a:p>
+          <a:p>
+            <a:pPr lvl="2"/>
+            <a:r>
+              <a:rPr lang="en-CA" dirty="0"/>
+              <a:t>Text classification</a:t>
+            </a:r>
+          </a:p>
+          <a:p>
+            <a:pPr lvl="2"/>
+            <a:r>
+              <a:rPr lang="en-CA" dirty="0"/>
+              <a:t>Image classification</a:t>
+            </a:r>
+          </a:p>
+          <a:p>
+            <a:pPr lvl="2"/>
+            <a:r>
+              <a:rPr lang="en-CA" dirty="0"/>
+              <a:t>Inference</a:t>
             </a:r>
           </a:p>
           <a:p>
             <a:pPr lvl="1"/>
             <a:r>
               <a:rPr lang="en-CA" dirty="0"/>
-              <a:t>This is because each bit in the number has a specific meaning</a:t>
+              <a:t>Elements can be from many different spaces</a:t>
+            </a:r>
+          </a:p>
+          <a:p>
+            <a:pPr lvl="2"/>
+            <a:r>
+              <a:rPr lang="en-CA" dirty="0"/>
+              <a:t>Real</a:t>
+            </a:r>
+          </a:p>
+          <a:p>
+            <a:pPr lvl="2"/>
+            <a:r>
+              <a:rPr lang="en-CA" dirty="0"/>
+              <a:t>Binary</a:t>
+            </a:r>
+          </a:p>
+          <a:p>
+            <a:pPr lvl="2"/>
+            <a:r>
+              <a:rPr lang="en-CA" dirty="0"/>
+              <a:t>Imaginary</a:t>
             </a:r>
           </a:p>
           <a:p>
             <a:pPr lvl="1"/>
-            <a:r>
-              <a:rPr lang="en-CA" dirty="0"/>
-              <a:t>HDC overcomes this with distributed representations</a:t>
-            </a:r>
-          </a:p>
-          <a:p>
-            <a:pPr lvl="1"/>
-            <a:r>
-              <a:rPr lang="en-CA" dirty="0"/>
-              <a:t>Each number has no specific meaning on its own, but combined with the full vector the meaning can be decerned</a:t>
-            </a:r>
+            <a:endParaRPr lang="en-CA" dirty="0"/>
           </a:p>
         </p:txBody>
       </p:sp>
     </p:spTree>
     <p:extLst>
       <p:ext uri="{BB962C8B-B14F-4D97-AF65-F5344CB8AC3E}">
-        <p14:creationId xmlns:p14="http://schemas.microsoft.com/office/powerpoint/2010/main" val="2523589732"/>
+        <p14:creationId xmlns:p14="http://schemas.microsoft.com/office/powerpoint/2010/main" val="1261019345"/>
       </p:ext>
     </p:extLst>
   </p:cSld>
@@ -7468,7 +7458,7 @@
           <p:cNvPr id="2" name="Title 1">
             <a:extLst>
               <a:ext uri="{FF2B5EF4-FFF2-40B4-BE49-F238E27FC236}">
-                <a16:creationId xmlns:a16="http://schemas.microsoft.com/office/drawing/2014/main" id="{044A94DA-347A-239B-CF9F-842F05F92408}"/>
+                <a16:creationId xmlns:a16="http://schemas.microsoft.com/office/drawing/2014/main" xmlns="" id="{8D538EE2-B801-635C-A032-217AB9F1945D}"/>
               </a:ext>
             </a:extLst>
           </p:cNvPr>
@@ -7496,7 +7486,7 @@
           <p:cNvPr id="3" name="Subtitle 2">
             <a:extLst>
               <a:ext uri="{FF2B5EF4-FFF2-40B4-BE49-F238E27FC236}">
-                <a16:creationId xmlns:a16="http://schemas.microsoft.com/office/drawing/2014/main" id="{8926DE52-0FB3-718B-77BA-3D22C35D87D5}"/>
+                <a16:creationId xmlns:a16="http://schemas.microsoft.com/office/drawing/2014/main" xmlns="" id="{5AFE1E51-5998-82AF-D7C2-AC198B8EF6D6}"/>
               </a:ext>
             </a:extLst>
           </p:cNvPr>
@@ -7519,66 +7509,56 @@
           <a:p>
             <a:r>
               <a:rPr lang="en-CA" dirty="0"/>
-              <a:t>What operations are involved in HDC?</a:t>
-            </a:r>
-          </a:p>
-          <a:p>
+              <a:t>Why use HDC?</a:t>
+            </a:r>
+          </a:p>
+          <a:p>
+            <a:pPr lvl="1"/>
             <a:r>
               <a:rPr lang="en-CA" dirty="0"/>
-              <a:t>There are 3 main operations involved in HDC</a:t>
-            </a:r>
-          </a:p>
-          <a:p>
+              <a:t>Suppose we have some number represented in binary</a:t>
+            </a:r>
+          </a:p>
+          <a:p>
+            <a:pPr lvl="1"/>
             <a:r>
               <a:rPr lang="en-CA" dirty="0"/>
-              <a:t>The core of HDC is the similarity comparison</a:t>
+              <a:t>What if there is a single bit error?</a:t>
             </a:r>
           </a:p>
           <a:p>
             <a:pPr lvl="1"/>
             <a:r>
               <a:rPr lang="en-CA" dirty="0"/>
-              <a:t>Takes two vectors and returns a single number (ideally between -1 and 1) to tell you how similar the vectors are</a:t>
-            </a:r>
-          </a:p>
-          <a:p>
+              <a:t>If its in the LSB’s then there is not much of an issue</a:t>
+            </a:r>
+          </a:p>
+          <a:p>
+            <a:pPr lvl="1"/>
             <a:r>
               <a:rPr lang="en-CA" dirty="0"/>
-              <a:t>Next there is Bundling</a:t>
+              <a:t>If it in the MSB’s the entire result can be incorrect</a:t>
             </a:r>
           </a:p>
           <a:p>
             <a:pPr lvl="1"/>
             <a:r>
               <a:rPr lang="en-CA" dirty="0"/>
-              <a:t>Group many vectors together</a:t>
+              <a:t>This is because each bit in the number has a specific meaning</a:t>
             </a:r>
           </a:p>
           <a:p>
             <a:pPr lvl="1"/>
             <a:r>
               <a:rPr lang="en-CA" dirty="0"/>
-              <a:t>Takes 2+ inputs and produces an output vector highly similar to all inputs</a:t>
-            </a:r>
-          </a:p>
-          <a:p>
+              <a:t>HDC overcomes this with distributed representations</a:t>
+            </a:r>
+          </a:p>
+          <a:p>
+            <a:pPr lvl="1"/>
             <a:r>
               <a:rPr lang="en-CA" dirty="0"/>
-              <a:t>Binding</a:t>
-            </a:r>
-          </a:p>
-          <a:p>
-            <a:pPr lvl="1"/>
-            <a:r>
-              <a:rPr lang="en-CA" dirty="0"/>
-              <a:t>Isolating vectors</a:t>
-            </a:r>
-          </a:p>
-          <a:p>
-            <a:pPr lvl="1"/>
-            <a:r>
-              <a:rPr lang="en-CA" dirty="0"/>
-              <a:t>Takes 2 inputs and produces an output vector highly dis-similar to both inputs</a:t>
+              <a:t>Each number has no specific meaning on its own, but combined with the full vector the meaning can be decerned</a:t>
             </a:r>
           </a:p>
         </p:txBody>
@@ -7586,7 +7566,7 @@
     </p:spTree>
     <p:extLst>
       <p:ext uri="{BB962C8B-B14F-4D97-AF65-F5344CB8AC3E}">
-        <p14:creationId xmlns:p14="http://schemas.microsoft.com/office/powerpoint/2010/main" val="678969885"/>
+        <p14:creationId xmlns:p14="http://schemas.microsoft.com/office/powerpoint/2010/main" val="2523589732"/>
       </p:ext>
     </p:extLst>
   </p:cSld>
@@ -7618,7 +7598,7 @@
           <p:cNvPr id="2" name="Title 1">
             <a:extLst>
               <a:ext uri="{FF2B5EF4-FFF2-40B4-BE49-F238E27FC236}">
-                <a16:creationId xmlns:a16="http://schemas.microsoft.com/office/drawing/2014/main" id="{4D0EFF9F-C1C9-2668-F6BD-13505162A51E}"/>
+                <a16:creationId xmlns:a16="http://schemas.microsoft.com/office/drawing/2014/main" xmlns="" id="{044A94DA-347A-239B-CF9F-842F05F92408}"/>
               </a:ext>
             </a:extLst>
           </p:cNvPr>
@@ -7646,7 +7626,7 @@
           <p:cNvPr id="3" name="Subtitle 2">
             <a:extLst>
               <a:ext uri="{FF2B5EF4-FFF2-40B4-BE49-F238E27FC236}">
-                <a16:creationId xmlns:a16="http://schemas.microsoft.com/office/drawing/2014/main" id="{9C85BABE-13FB-E849-F729-ADA93D228328}"/>
+                <a16:creationId xmlns:a16="http://schemas.microsoft.com/office/drawing/2014/main" xmlns="" id="{8926DE52-0FB3-718B-77BA-3D22C35D87D5}"/>
               </a:ext>
             </a:extLst>
           </p:cNvPr>
@@ -7669,52 +7649,66 @@
           <a:p>
             <a:r>
               <a:rPr lang="en-CA" dirty="0"/>
-              <a:t>How to accelerate HDC?</a:t>
+              <a:t>What operations are involved in HDC?</a:t>
             </a:r>
           </a:p>
           <a:p>
             <a:r>
               <a:rPr lang="en-CA" dirty="0"/>
-              <a:t>Most of these HDC encodings are embarrassingly parallel</a:t>
+              <a:t>There are 3 main operations involved in HDC</a:t>
             </a:r>
           </a:p>
           <a:p>
             <a:r>
               <a:rPr lang="en-CA" dirty="0"/>
-              <a:t>This allows us to compute bundling, binding, and similarity result elements independently</a:t>
-            </a:r>
-          </a:p>
-          <a:p>
+              <a:t>The core of HDC is the similarity comparison</a:t>
+            </a:r>
+          </a:p>
+          <a:p>
+            <a:pPr lvl="1"/>
             <a:r>
               <a:rPr lang="en-CA" dirty="0"/>
-              <a:t>At a high level the accelerator looks like this</a:t>
+              <a:t>Takes two vectors and returns a single number (ideally between -1 and 1) to tell you how similar the vectors are</a:t>
+            </a:r>
+          </a:p>
+          <a:p>
+            <a:r>
+              <a:rPr lang="en-CA" dirty="0"/>
+              <a:t>Next there is Bundling</a:t>
             </a:r>
           </a:p>
           <a:p>
             <a:pPr lvl="1"/>
             <a:r>
               <a:rPr lang="en-CA" dirty="0"/>
-              <a:t>Show top-level block diagram</a:t>
+              <a:t>Group many vectors together</a:t>
             </a:r>
           </a:p>
           <a:p>
             <a:pPr lvl="1"/>
             <a:r>
               <a:rPr lang="en-CA" dirty="0"/>
-              <a:t>While kernels for each type of operation have some differences, they are largely the same. We will be focusing on the </a:t>
+              <a:t>Takes 2+ inputs and produces an output vector highly similar to all inputs</a:t>
             </a:r>
           </a:p>
           <a:p>
             <a:r>
               <a:rPr lang="en-CA" dirty="0"/>
-              <a:t>At the bottom we have the bundle kernel</a:t>
+              <a:t>Binding</a:t>
             </a:r>
           </a:p>
           <a:p>
             <a:pPr lvl="1"/>
             <a:r>
               <a:rPr lang="en-CA" dirty="0"/>
-              <a:t>Show the bundler</a:t>
+              <a:t>Isolating vectors</a:t>
+            </a:r>
+          </a:p>
+          <a:p>
+            <a:pPr lvl="1"/>
+            <a:r>
+              <a:rPr lang="en-CA" dirty="0"/>
+              <a:t>Takes 2 inputs and produces an output vector highly dis-similar to both inputs</a:t>
             </a:r>
           </a:p>
         </p:txBody>
@@ -7722,7 +7716,7 @@
     </p:spTree>
     <p:extLst>
       <p:ext uri="{BB962C8B-B14F-4D97-AF65-F5344CB8AC3E}">
-        <p14:creationId xmlns:p14="http://schemas.microsoft.com/office/powerpoint/2010/main" val="2847397569"/>
+        <p14:creationId xmlns:p14="http://schemas.microsoft.com/office/powerpoint/2010/main" val="678969885"/>
       </p:ext>
     </p:extLst>
   </p:cSld>
@@ -7754,7 +7748,7 @@
           <p:cNvPr id="2" name="Title 1">
             <a:extLst>
               <a:ext uri="{FF2B5EF4-FFF2-40B4-BE49-F238E27FC236}">
-                <a16:creationId xmlns:a16="http://schemas.microsoft.com/office/drawing/2014/main" id="{9CB04938-4277-B8A3-A911-072D170EE78C}"/>
+                <a16:creationId xmlns:a16="http://schemas.microsoft.com/office/drawing/2014/main" xmlns="" id="{4D0EFF9F-C1C9-2668-F6BD-13505162A51E}"/>
               </a:ext>
             </a:extLst>
           </p:cNvPr>
@@ -7782,7 +7776,7 @@
           <p:cNvPr id="3" name="Subtitle 2">
             <a:extLst>
               <a:ext uri="{FF2B5EF4-FFF2-40B4-BE49-F238E27FC236}">
-                <a16:creationId xmlns:a16="http://schemas.microsoft.com/office/drawing/2014/main" id="{7F2AC054-DD83-6624-109B-C9847FD9528E}"/>
+                <a16:creationId xmlns:a16="http://schemas.microsoft.com/office/drawing/2014/main" xmlns="" id="{9C85BABE-13FB-E849-F729-ADA93D228328}"/>
               </a:ext>
             </a:extLst>
           </p:cNvPr>
@@ -7795,8 +7789,8 @@
         </p:nvSpPr>
         <p:spPr>
           <a:xfrm>
-            <a:off x="838079" y="1825560"/>
-            <a:ext cx="10515239" cy="4350960"/>
+            <a:off x="838080" y="1825560"/>
+            <a:ext cx="10515240" cy="4350960"/>
           </a:xfrm>
         </p:spPr>
         <p:txBody>
@@ -7805,62 +7799,52 @@
           <a:p>
             <a:r>
               <a:rPr lang="en-CA" dirty="0"/>
-              <a:t>Data is passed to the bundle kernel using a memory mapper</a:t>
+              <a:t>How to accelerate HDC?</a:t>
+            </a:r>
+          </a:p>
+          <a:p>
+            <a:r>
+              <a:rPr lang="en-CA" dirty="0"/>
+              <a:t>Most of these HDC encodings are embarrassingly parallel</a:t>
+            </a:r>
+          </a:p>
+          <a:p>
+            <a:r>
+              <a:rPr lang="en-CA" dirty="0"/>
+              <a:t>This allows us to compute bundling, binding, and similarity result elements independently</a:t>
+            </a:r>
+          </a:p>
+          <a:p>
+            <a:r>
+              <a:rPr lang="en-CA" dirty="0"/>
+              <a:t>At a high level the accelerator looks like this</a:t>
             </a:r>
           </a:p>
           <a:p>
             <a:pPr lvl="1"/>
             <a:r>
               <a:rPr lang="en-CA" dirty="0"/>
-              <a:t>Show the memory mapper</a:t>
-            </a:r>
-          </a:p>
-          <a:p>
+              <a:t>Show top-level block diagram</a:t>
+            </a:r>
+          </a:p>
+          <a:p>
+            <a:pPr lvl="1"/>
             <a:r>
               <a:rPr lang="en-CA" dirty="0"/>
-              <a:t>Each bundle kernel and memory mapper are paired and controlled by a kernel mapper</a:t>
+              <a:t>While kernels for each type of operation have some differences, they are largely the same. We will be focusing on the </a:t>
+            </a:r>
+          </a:p>
+          <a:p>
+            <a:r>
+              <a:rPr lang="en-CA" dirty="0"/>
+              <a:t>At the bottom we have the bundle kernel</a:t>
             </a:r>
           </a:p>
           <a:p>
             <a:pPr lvl="1"/>
             <a:r>
               <a:rPr lang="en-CA" dirty="0"/>
-              <a:t>Kernels mappers will run many kernels in parallel</a:t>
-            </a:r>
-          </a:p>
-          <a:p>
-            <a:r>
-              <a:rPr lang="en-CA" dirty="0"/>
-              <a:t>Port Allocator</a:t>
-            </a:r>
-          </a:p>
-          <a:p>
-            <a:pPr lvl="1"/>
-            <a:r>
-              <a:rPr lang="en-CA" dirty="0"/>
-              <a:t>So far we’ve assumed every memory mapper has access to the memory, but </a:t>
-            </a:r>
-            <a:r>
-              <a:rPr lang="en-CA" dirty="0" err="1"/>
-              <a:t>theres</a:t>
-            </a:r>
-            <a:r>
-              <a:rPr lang="en-CA" dirty="0"/>
-              <a:t> a limited number of ports</a:t>
-            </a:r>
-          </a:p>
-          <a:p>
-            <a:pPr lvl="1"/>
-            <a:r>
-              <a:rPr lang="en-CA" dirty="0"/>
-              <a:t>To handle this we add a Port Allocator in between the kernels and the memory. Each port will be mapped to a kernel and the mapping is stored in a port allocation table. </a:t>
-            </a:r>
-          </a:p>
-          <a:p>
-            <a:pPr lvl="1"/>
-            <a:r>
-              <a:rPr lang="en-CA" dirty="0"/>
-              <a:t>When a new operation (bundle, bind, similarity) is requested it will wait until enough ports are available and then the ports are locked by the kernels in the port allocation table</a:t>
+              <a:t>Show the bundler</a:t>
             </a:r>
           </a:p>
         </p:txBody>
@@ -7868,7 +7852,7 @@
     </p:spTree>
     <p:extLst>
       <p:ext uri="{BB962C8B-B14F-4D97-AF65-F5344CB8AC3E}">
-        <p14:creationId xmlns:p14="http://schemas.microsoft.com/office/powerpoint/2010/main" val="2454607145"/>
+        <p14:creationId xmlns:p14="http://schemas.microsoft.com/office/powerpoint/2010/main" val="2847397569"/>
       </p:ext>
     </p:extLst>
   </p:cSld>
@@ -7900,7 +7884,7 @@
           <p:cNvPr id="2" name="Title 1">
             <a:extLst>
               <a:ext uri="{FF2B5EF4-FFF2-40B4-BE49-F238E27FC236}">
-                <a16:creationId xmlns:a16="http://schemas.microsoft.com/office/drawing/2014/main" id="{E8B7570E-F571-3E48-BF2A-0316A95DC8DD}"/>
+                <a16:creationId xmlns:a16="http://schemas.microsoft.com/office/drawing/2014/main" xmlns="" id="{9CB04938-4277-B8A3-A911-072D170EE78C}"/>
               </a:ext>
             </a:extLst>
           </p:cNvPr>
@@ -7928,7 +7912,7 @@
           <p:cNvPr id="3" name="Subtitle 2">
             <a:extLst>
               <a:ext uri="{FF2B5EF4-FFF2-40B4-BE49-F238E27FC236}">
-                <a16:creationId xmlns:a16="http://schemas.microsoft.com/office/drawing/2014/main" id="{1053445D-4E08-1DB8-6738-85F5F50C95B9}"/>
+                <a16:creationId xmlns:a16="http://schemas.microsoft.com/office/drawing/2014/main" xmlns="" id="{7F2AC054-DD83-6624-109B-C9847FD9528E}"/>
               </a:ext>
             </a:extLst>
           </p:cNvPr>
@@ -7951,78 +7935,70 @@
           <a:p>
             <a:r>
               <a:rPr lang="en-CA" dirty="0"/>
-              <a:t>Memory Architecture</a:t>
+              <a:t>Data is passed to the bundle kernel using a memory mapper</a:t>
             </a:r>
           </a:p>
           <a:p>
             <a:pPr lvl="1"/>
             <a:r>
+              <a:rPr lang="en-CA" dirty="0"/>
+              <a:t>Show the memory mapper</a:t>
+            </a:r>
+          </a:p>
+          <a:p>
+            <a:r>
+              <a:rPr lang="en-CA" dirty="0"/>
+              <a:t>Each bundle kernel and memory mapper are paired and controlled by a kernel mapper</a:t>
+            </a:r>
+          </a:p>
+          <a:p>
+            <a:pPr lvl="1"/>
+            <a:r>
+              <a:rPr lang="en-CA" dirty="0"/>
+              <a:t>Kernels mappers will run many kernels in parallel</a:t>
+            </a:r>
+          </a:p>
+          <a:p>
+            <a:r>
+              <a:rPr lang="en-CA" dirty="0"/>
+              <a:t>Port Allocator</a:t>
+            </a:r>
+          </a:p>
+          <a:p>
+            <a:pPr lvl="1"/>
+            <a:r>
+              <a:rPr lang="en-CA" dirty="0"/>
+              <a:t>So far we’ve assumed every memory mapper has access to the memory, but </a:t>
+            </a:r>
+            <a:r>
               <a:rPr lang="en-CA" dirty="0" err="1"/>
-              <a:t>Hypervectors</a:t>
+              <a:t>theres</a:t>
             </a:r>
             <a:r>
               <a:rPr lang="en-CA" dirty="0"/>
-              <a:t> are stored contiguously in a virtual memory</a:t>
+              <a:t> a limited number of ports</a:t>
             </a:r>
           </a:p>
           <a:p>
             <a:pPr lvl="1"/>
             <a:r>
               <a:rPr lang="en-CA" dirty="0"/>
-              <a:t>Each block ram in the FPGA will store the same 1-2 elements (depending on desired memory size) from all </a:t>
-            </a:r>
-            <a:r>
-              <a:rPr lang="en-CA" dirty="0" err="1"/>
-              <a:t>hypervectors</a:t>
-            </a:r>
+              <a:t>To handle this we add a Port Allocator in between the kernels and the memory. Each port will be mapped to a kernel and the mapping is stored in a port allocation table. </a:t>
+            </a:r>
+          </a:p>
+          <a:p>
+            <a:pPr lvl="1"/>
             <a:r>
               <a:rPr lang="en-CA" dirty="0"/>
-              <a:t> in the memory space</a:t>
-            </a:r>
-          </a:p>
-          <a:p>
-            <a:pPr lvl="1"/>
-            <a:r>
-              <a:rPr lang="en-CA" dirty="0"/>
-              <a:t>While </a:t>
-            </a:r>
-            <a:r>
-              <a:rPr lang="en-CA" dirty="0" err="1"/>
-              <a:t>hypervectors</a:t>
-            </a:r>
-            <a:r>
-              <a:rPr lang="en-CA" dirty="0"/>
-              <a:t> may vary in size, all </a:t>
-            </a:r>
-            <a:r>
-              <a:rPr lang="en-CA" dirty="0" err="1"/>
-              <a:t>hypervectors</a:t>
-            </a:r>
-            <a:r>
-              <a:rPr lang="en-CA" dirty="0"/>
-              <a:t> must start from an address which is a multiple of the max </a:t>
-            </a:r>
-            <a:r>
-              <a:rPr lang="en-CA" dirty="0" err="1"/>
-              <a:t>hypervector</a:t>
-            </a:r>
-            <a:r>
-              <a:rPr lang="en-CA" dirty="0"/>
-              <a:t> size</a:t>
-            </a:r>
-          </a:p>
-          <a:p>
-            <a:pPr marL="457200" lvl="1" indent="0">
-              <a:buNone/>
-            </a:pPr>
-            <a:endParaRPr lang="en-CA" dirty="0"/>
+              <a:t>When a new operation (bundle, bind, similarity) is requested it will wait until enough ports are available and then the ports are locked by the kernels in the port allocation table</a:t>
+            </a:r>
           </a:p>
         </p:txBody>
       </p:sp>
     </p:spTree>
     <p:extLst>
       <p:ext uri="{BB962C8B-B14F-4D97-AF65-F5344CB8AC3E}">
-        <p14:creationId xmlns:p14="http://schemas.microsoft.com/office/powerpoint/2010/main" val="3223469348"/>
+        <p14:creationId xmlns:p14="http://schemas.microsoft.com/office/powerpoint/2010/main" val="2454607145"/>
       </p:ext>
     </p:extLst>
   </p:cSld>
@@ -8054,7 +8030,7 @@
           <p:cNvPr id="2" name="Title 1">
             <a:extLst>
               <a:ext uri="{FF2B5EF4-FFF2-40B4-BE49-F238E27FC236}">
-                <a16:creationId xmlns:a16="http://schemas.microsoft.com/office/drawing/2014/main" id="{BDB21B3D-8901-8CFD-69D5-001520F6C34D}"/>
+                <a16:creationId xmlns:a16="http://schemas.microsoft.com/office/drawing/2014/main" xmlns="" id="{E8B7570E-F571-3E48-BF2A-0316A95DC8DD}"/>
               </a:ext>
             </a:extLst>
           </p:cNvPr>
@@ -8082,7 +8058,7 @@
           <p:cNvPr id="3" name="Subtitle 2">
             <a:extLst>
               <a:ext uri="{FF2B5EF4-FFF2-40B4-BE49-F238E27FC236}">
-                <a16:creationId xmlns:a16="http://schemas.microsoft.com/office/drawing/2014/main" id="{356F7C6D-E829-F075-70B8-A35879CB05BA}"/>
+                <a16:creationId xmlns:a16="http://schemas.microsoft.com/office/drawing/2014/main" xmlns="" id="{1053445D-4E08-1DB8-6738-85F5F50C95B9}"/>
               </a:ext>
             </a:extLst>
           </p:cNvPr>
@@ -8095,8 +8071,8 @@
         </p:nvSpPr>
         <p:spPr>
           <a:xfrm>
-            <a:off x="838080" y="1825560"/>
-            <a:ext cx="10515240" cy="4350960"/>
+            <a:off x="838079" y="1825560"/>
+            <a:ext cx="10515239" cy="4350960"/>
           </a:xfrm>
         </p:spPr>
         <p:txBody>
@@ -8105,13 +8081,56 @@
           <a:p>
             <a:r>
               <a:rPr lang="en-CA" dirty="0"/>
-              <a:t>The top level accelerator will be implemented as an X(3??) stage pipeline</a:t>
-            </a:r>
-          </a:p>
-          <a:p>
+              <a:t>Memory Architecture</a:t>
+            </a:r>
+          </a:p>
+          <a:p>
+            <a:pPr lvl="1"/>
+            <a:r>
+              <a:rPr lang="en-CA" dirty="0" err="1"/>
+              <a:t>Hypervectors</a:t>
+            </a:r>
             <a:r>
               <a:rPr lang="en-CA" dirty="0"/>
-              <a:t>First </a:t>
+              <a:t> are stored contiguously in a virtual memory</a:t>
+            </a:r>
+          </a:p>
+          <a:p>
+            <a:pPr lvl="1"/>
+            <a:r>
+              <a:rPr lang="en-CA" dirty="0"/>
+              <a:t>Each block ram in the FPGA will store the same 1-2 elements (depending on desired memory size) from all </a:t>
+            </a:r>
+            <a:r>
+              <a:rPr lang="en-CA" dirty="0" err="1"/>
+              <a:t>hypervectors</a:t>
+            </a:r>
+            <a:r>
+              <a:rPr lang="en-CA" dirty="0"/>
+              <a:t> in the memory space</a:t>
+            </a:r>
+          </a:p>
+          <a:p>
+            <a:pPr lvl="1"/>
+            <a:r>
+              <a:rPr lang="en-CA" dirty="0"/>
+              <a:t>While </a:t>
+            </a:r>
+            <a:r>
+              <a:rPr lang="en-CA" dirty="0" err="1"/>
+              <a:t>hypervectors</a:t>
+            </a:r>
+            <a:r>
+              <a:rPr lang="en-CA" dirty="0"/>
+              <a:t> may vary in size, all </a:t>
+            </a:r>
+            <a:r>
+              <a:rPr lang="en-CA" dirty="0" err="1"/>
+              <a:t>hypervectors</a:t>
+            </a:r>
+            <a:r>
+              <a:rPr lang="en-CA" dirty="0"/>
+              <a:t> must start from an address which is a multiple of the max </a:t>
             </a:r>
             <a:r>
               <a:rPr lang="en-CA" dirty="0" err="1"/>
@@ -8119,22 +8138,13 @@
             </a:r>
             <a:r>
               <a:rPr lang="en-CA" dirty="0"/>
-              <a:t> requests made will be added the a pre-flight FIFO queue</a:t>
-            </a:r>
-          </a:p>
-          <a:p>
-            <a:r>
-              <a:rPr lang="en-CA" dirty="0"/>
-              <a:t>A scoreboard will be used to filter out instruction dependencies allowing for multiple instructions to be executed at once</a:t>
-            </a:r>
-          </a:p>
-          <a:p>
-            <a:r>
-              <a:rPr lang="en-CA" dirty="0"/>
-              <a:t>Once passed through the pre-flight queue, instructions will be added the an in-flight FIFO queue where they wait for enough ports to be available to begin executing</a:t>
-            </a:r>
-          </a:p>
-          <a:p>
+              <a:t> size</a:t>
+            </a:r>
+          </a:p>
+          <a:p>
+            <a:pPr marL="457200" lvl="1" indent="0">
+              <a:buNone/>
+            </a:pPr>
             <a:endParaRPr lang="en-CA" dirty="0"/>
           </a:p>
         </p:txBody>
@@ -8142,7 +8152,7 @@
     </p:spTree>
     <p:extLst>
       <p:ext uri="{BB962C8B-B14F-4D97-AF65-F5344CB8AC3E}">
-        <p14:creationId xmlns:p14="http://schemas.microsoft.com/office/powerpoint/2010/main" val="1990438429"/>
+        <p14:creationId xmlns:p14="http://schemas.microsoft.com/office/powerpoint/2010/main" val="3223469348"/>
       </p:ext>
     </p:extLst>
   </p:cSld>
@@ -8174,7 +8184,7 @@
           <p:cNvPr id="2" name="Title 1">
             <a:extLst>
               <a:ext uri="{FF2B5EF4-FFF2-40B4-BE49-F238E27FC236}">
-                <a16:creationId xmlns:a16="http://schemas.microsoft.com/office/drawing/2014/main" id="{9CB79DB5-A43C-09E4-E1D8-6E22A148CAA1}"/>
+                <a16:creationId xmlns:a16="http://schemas.microsoft.com/office/drawing/2014/main" xmlns="" id="{BDB21B3D-8901-8CFD-69D5-001520F6C34D}"/>
               </a:ext>
             </a:extLst>
           </p:cNvPr>
@@ -8202,7 +8212,7 @@
           <p:cNvPr id="3" name="Subtitle 2">
             <a:extLst>
               <a:ext uri="{FF2B5EF4-FFF2-40B4-BE49-F238E27FC236}">
-                <a16:creationId xmlns:a16="http://schemas.microsoft.com/office/drawing/2014/main" id="{92C04443-8986-A537-8A37-218C5D5DD53A}"/>
+                <a16:creationId xmlns:a16="http://schemas.microsoft.com/office/drawing/2014/main" xmlns="" id="{356F7C6D-E829-F075-70B8-A35879CB05BA}"/>
               </a:ext>
             </a:extLst>
           </p:cNvPr>
@@ -8225,33 +8235,13 @@
           <a:p>
             <a:r>
               <a:rPr lang="en-CA" dirty="0"/>
-              <a:t>Allocation of ports will also be done using a scoreboard-like process. </a:t>
+              <a:t>The top level accelerator will be implemented as an X(3??) stage pipeline</a:t>
             </a:r>
           </a:p>
           <a:p>
             <a:r>
               <a:rPr lang="en-CA" dirty="0"/>
-              <a:t>Instructions will “lock” a port in the port-table after which it is guaranteed to have uncontested access to the ports for its full execution time</a:t>
-            </a:r>
-          </a:p>
-          <a:p>
-            <a:r>
-              <a:rPr lang="en-CA" dirty="0"/>
-              <a:t>Once complete, the port allocation table and scoreboard will be cleared</a:t>
-            </a:r>
-          </a:p>
-          <a:p>
-            <a:r>
-              <a:rPr lang="en-CA" dirty="0"/>
-              <a:t>We will also have a result validity table to keep track of which </a:t>
-            </a:r>
-            <a:r>
-              <a:rPr lang="en-CA" dirty="0" err="1"/>
-              <a:t>hypervectors</a:t>
-            </a:r>
-            <a:r>
-              <a:rPr lang="en-CA" dirty="0"/>
-              <a:t> are *not* produced by any in-queue instruction, meaning the </a:t>
+              <a:t>First </a:t>
             </a:r>
             <a:r>
               <a:rPr lang="en-CA" dirty="0" err="1"/>
@@ -8259,12 +8249,22 @@
             </a:r>
             <a:r>
               <a:rPr lang="en-CA" dirty="0"/>
-              <a:t> result </a:t>
-            </a:r>
-            <a:r>
-              <a:rPr lang="en-CA"/>
-              <a:t>is valid and ready to read</a:t>
-            </a:r>
+              <a:t> requests made will be added the a pre-flight FIFO queue</a:t>
+            </a:r>
+          </a:p>
+          <a:p>
+            <a:r>
+              <a:rPr lang="en-CA" dirty="0"/>
+              <a:t>A scoreboard will be used to filter out instruction dependencies allowing for multiple instructions to be executed at once</a:t>
+            </a:r>
+          </a:p>
+          <a:p>
+            <a:r>
+              <a:rPr lang="en-CA" dirty="0"/>
+              <a:t>Once passed through the pre-flight queue, instructions will be added the an in-flight FIFO queue where they wait for enough ports to be available to begin executing</a:t>
+            </a:r>
+          </a:p>
+          <a:p>
             <a:endParaRPr lang="en-CA" dirty="0"/>
           </a:p>
         </p:txBody>
@@ -8272,7 +8272,7 @@
     </p:spTree>
     <p:extLst>
       <p:ext uri="{BB962C8B-B14F-4D97-AF65-F5344CB8AC3E}">
-        <p14:creationId xmlns:p14="http://schemas.microsoft.com/office/powerpoint/2010/main" val="8169859"/>
+        <p14:creationId xmlns:p14="http://schemas.microsoft.com/office/powerpoint/2010/main" val="1990438429"/>
       </p:ext>
     </p:extLst>
   </p:cSld>
